--- a/prepare/Presentation1.pptx
+++ b/prepare/Presentation1.pptx
@@ -261,7 +261,7 @@
           <a:p>
             <a:fld id="{CCE8F049-6656-46D9-A73B-52F16A3771F6}" type="datetimeFigureOut">
               <a:rPr lang="th-TH" smtClean="0"/>
-              <a:t>04/06/65</a:t>
+              <a:t>06/06/65</a:t>
             </a:fld>
             <a:endParaRPr lang="th-TH"/>
           </a:p>
@@ -461,7 +461,7 @@
           <a:p>
             <a:fld id="{CCE8F049-6656-46D9-A73B-52F16A3771F6}" type="datetimeFigureOut">
               <a:rPr lang="th-TH" smtClean="0"/>
-              <a:t>04/06/65</a:t>
+              <a:t>06/06/65</a:t>
             </a:fld>
             <a:endParaRPr lang="th-TH"/>
           </a:p>
@@ -671,7 +671,7 @@
           <a:p>
             <a:fld id="{CCE8F049-6656-46D9-A73B-52F16A3771F6}" type="datetimeFigureOut">
               <a:rPr lang="th-TH" smtClean="0"/>
-              <a:t>04/06/65</a:t>
+              <a:t>06/06/65</a:t>
             </a:fld>
             <a:endParaRPr lang="th-TH"/>
           </a:p>
@@ -871,7 +871,7 @@
           <a:p>
             <a:fld id="{CCE8F049-6656-46D9-A73B-52F16A3771F6}" type="datetimeFigureOut">
               <a:rPr lang="th-TH" smtClean="0"/>
-              <a:t>04/06/65</a:t>
+              <a:t>06/06/65</a:t>
             </a:fld>
             <a:endParaRPr lang="th-TH"/>
           </a:p>
@@ -1147,7 +1147,7 @@
           <a:p>
             <a:fld id="{CCE8F049-6656-46D9-A73B-52F16A3771F6}" type="datetimeFigureOut">
               <a:rPr lang="th-TH" smtClean="0"/>
-              <a:t>04/06/65</a:t>
+              <a:t>06/06/65</a:t>
             </a:fld>
             <a:endParaRPr lang="th-TH"/>
           </a:p>
@@ -1415,7 +1415,7 @@
           <a:p>
             <a:fld id="{CCE8F049-6656-46D9-A73B-52F16A3771F6}" type="datetimeFigureOut">
               <a:rPr lang="th-TH" smtClean="0"/>
-              <a:t>04/06/65</a:t>
+              <a:t>06/06/65</a:t>
             </a:fld>
             <a:endParaRPr lang="th-TH"/>
           </a:p>
@@ -1830,7 +1830,7 @@
           <a:p>
             <a:fld id="{CCE8F049-6656-46D9-A73B-52F16A3771F6}" type="datetimeFigureOut">
               <a:rPr lang="th-TH" smtClean="0"/>
-              <a:t>04/06/65</a:t>
+              <a:t>06/06/65</a:t>
             </a:fld>
             <a:endParaRPr lang="th-TH"/>
           </a:p>
@@ -1972,7 +1972,7 @@
           <a:p>
             <a:fld id="{CCE8F049-6656-46D9-A73B-52F16A3771F6}" type="datetimeFigureOut">
               <a:rPr lang="th-TH" smtClean="0"/>
-              <a:t>04/06/65</a:t>
+              <a:t>06/06/65</a:t>
             </a:fld>
             <a:endParaRPr lang="th-TH"/>
           </a:p>
@@ -2085,7 +2085,7 @@
           <a:p>
             <a:fld id="{CCE8F049-6656-46D9-A73B-52F16A3771F6}" type="datetimeFigureOut">
               <a:rPr lang="th-TH" smtClean="0"/>
-              <a:t>04/06/65</a:t>
+              <a:t>06/06/65</a:t>
             </a:fld>
             <a:endParaRPr lang="th-TH"/>
           </a:p>
@@ -2398,7 +2398,7 @@
           <a:p>
             <a:fld id="{CCE8F049-6656-46D9-A73B-52F16A3771F6}" type="datetimeFigureOut">
               <a:rPr lang="th-TH" smtClean="0"/>
-              <a:t>04/06/65</a:t>
+              <a:t>06/06/65</a:t>
             </a:fld>
             <a:endParaRPr lang="th-TH"/>
           </a:p>
@@ -2687,7 +2687,7 @@
           <a:p>
             <a:fld id="{CCE8F049-6656-46D9-A73B-52F16A3771F6}" type="datetimeFigureOut">
               <a:rPr lang="th-TH" smtClean="0"/>
-              <a:t>04/06/65</a:t>
+              <a:t>06/06/65</a:t>
             </a:fld>
             <a:endParaRPr lang="th-TH"/>
           </a:p>
@@ -2930,7 +2930,7 @@
           <a:p>
             <a:fld id="{CCE8F049-6656-46D9-A73B-52F16A3771F6}" type="datetimeFigureOut">
               <a:rPr lang="th-TH" smtClean="0"/>
-              <a:t>04/06/65</a:t>
+              <a:t>06/06/65</a:t>
             </a:fld>
             <a:endParaRPr lang="th-TH"/>
           </a:p>
@@ -4493,6 +4493,84 @@
           </a:p>
         </p:txBody>
       </p:sp>
+      <p:pic>
+        <p:nvPicPr>
+          <p:cNvPr id="4" name="Picture 3">
+            <a:extLst>
+              <a:ext uri="{FF2B5EF4-FFF2-40B4-BE49-F238E27FC236}">
+                <a16:creationId xmlns:a16="http://schemas.microsoft.com/office/drawing/2014/main" id="{5D30CA37-ADF6-77D0-3C55-0B16A7DB636E}"/>
+              </a:ext>
+            </a:extLst>
+          </p:cNvPr>
+          <p:cNvPicPr>
+            <a:picLocks noChangeAspect="1"/>
+          </p:cNvPicPr>
+          <p:nvPr/>
+        </p:nvPicPr>
+        <p:blipFill rotWithShape="1">
+          <a:blip r:embed="rId8"/>
+          <a:srcRect l="21843" t="36248" r="18913" b="30476"/>
+          <a:stretch/>
+        </p:blipFill>
+        <p:spPr>
+          <a:xfrm>
+            <a:off x="-3938677" y="-2852730"/>
+            <a:ext cx="7222966" cy="2282075"/>
+          </a:xfrm>
+          <a:prstGeom prst="rect">
+            <a:avLst/>
+          </a:prstGeom>
+        </p:spPr>
+      </p:pic>
+      <p:sp>
+        <p:nvSpPr>
+          <p:cNvPr id="33" name="Rectangle 32">
+            <a:extLst>
+              <a:ext uri="{FF2B5EF4-FFF2-40B4-BE49-F238E27FC236}">
+                <a16:creationId xmlns:a16="http://schemas.microsoft.com/office/drawing/2014/main" id="{B30C5712-AD64-1E3E-B2DB-17D5E388147A}"/>
+              </a:ext>
+            </a:extLst>
+          </p:cNvPr>
+          <p:cNvSpPr/>
+          <p:nvPr/>
+        </p:nvSpPr>
+        <p:spPr>
+          <a:xfrm>
+            <a:off x="4366845" y="1068326"/>
+            <a:ext cx="657225" cy="542925"/>
+          </a:xfrm>
+          <a:prstGeom prst="rect">
+            <a:avLst/>
+          </a:prstGeom>
+          <a:solidFill>
+            <a:srgbClr val="EFEFEF"/>
+          </a:solidFill>
+        </p:spPr>
+        <p:style>
+          <a:lnRef idx="2">
+            <a:schemeClr val="accent1">
+              <a:shade val="50000"/>
+            </a:schemeClr>
+          </a:lnRef>
+          <a:fillRef idx="1">
+            <a:schemeClr val="accent1"/>
+          </a:fillRef>
+          <a:effectRef idx="0">
+            <a:schemeClr val="accent1"/>
+          </a:effectRef>
+          <a:fontRef idx="minor">
+            <a:schemeClr val="lt1"/>
+          </a:fontRef>
+        </p:style>
+        <p:txBody>
+          <a:bodyPr rtlCol="0" anchor="ctr"/>
+          <a:lstStyle/>
+          <a:p>
+            <a:pPr algn="ctr"/>
+            <a:endParaRPr lang="th-TH"/>
+          </a:p>
+        </p:txBody>
+      </p:sp>
     </p:spTree>
     <p:extLst>
       <p:ext uri="{BB962C8B-B14F-4D97-AF65-F5344CB8AC3E}">

--- a/prepare/Presentation1.pptx
+++ b/prepare/Presentation1.pptx
@@ -261,7 +261,7 @@
           <a:p>
             <a:fld id="{CCE8F049-6656-46D9-A73B-52F16A3771F6}" type="datetimeFigureOut">
               <a:rPr lang="th-TH" smtClean="0"/>
-              <a:t>06/06/65</a:t>
+              <a:t>13/06/65</a:t>
             </a:fld>
             <a:endParaRPr lang="th-TH"/>
           </a:p>
@@ -461,7 +461,7 @@
           <a:p>
             <a:fld id="{CCE8F049-6656-46D9-A73B-52F16A3771F6}" type="datetimeFigureOut">
               <a:rPr lang="th-TH" smtClean="0"/>
-              <a:t>06/06/65</a:t>
+              <a:t>13/06/65</a:t>
             </a:fld>
             <a:endParaRPr lang="th-TH"/>
           </a:p>
@@ -671,7 +671,7 @@
           <a:p>
             <a:fld id="{CCE8F049-6656-46D9-A73B-52F16A3771F6}" type="datetimeFigureOut">
               <a:rPr lang="th-TH" smtClean="0"/>
-              <a:t>06/06/65</a:t>
+              <a:t>13/06/65</a:t>
             </a:fld>
             <a:endParaRPr lang="th-TH"/>
           </a:p>
@@ -871,7 +871,7 @@
           <a:p>
             <a:fld id="{CCE8F049-6656-46D9-A73B-52F16A3771F6}" type="datetimeFigureOut">
               <a:rPr lang="th-TH" smtClean="0"/>
-              <a:t>06/06/65</a:t>
+              <a:t>13/06/65</a:t>
             </a:fld>
             <a:endParaRPr lang="th-TH"/>
           </a:p>
@@ -1147,7 +1147,7 @@
           <a:p>
             <a:fld id="{CCE8F049-6656-46D9-A73B-52F16A3771F6}" type="datetimeFigureOut">
               <a:rPr lang="th-TH" smtClean="0"/>
-              <a:t>06/06/65</a:t>
+              <a:t>13/06/65</a:t>
             </a:fld>
             <a:endParaRPr lang="th-TH"/>
           </a:p>
@@ -1415,7 +1415,7 @@
           <a:p>
             <a:fld id="{CCE8F049-6656-46D9-A73B-52F16A3771F6}" type="datetimeFigureOut">
               <a:rPr lang="th-TH" smtClean="0"/>
-              <a:t>06/06/65</a:t>
+              <a:t>13/06/65</a:t>
             </a:fld>
             <a:endParaRPr lang="th-TH"/>
           </a:p>
@@ -1830,7 +1830,7 @@
           <a:p>
             <a:fld id="{CCE8F049-6656-46D9-A73B-52F16A3771F6}" type="datetimeFigureOut">
               <a:rPr lang="th-TH" smtClean="0"/>
-              <a:t>06/06/65</a:t>
+              <a:t>13/06/65</a:t>
             </a:fld>
             <a:endParaRPr lang="th-TH"/>
           </a:p>
@@ -1972,7 +1972,7 @@
           <a:p>
             <a:fld id="{CCE8F049-6656-46D9-A73B-52F16A3771F6}" type="datetimeFigureOut">
               <a:rPr lang="th-TH" smtClean="0"/>
-              <a:t>06/06/65</a:t>
+              <a:t>13/06/65</a:t>
             </a:fld>
             <a:endParaRPr lang="th-TH"/>
           </a:p>
@@ -2085,7 +2085,7 @@
           <a:p>
             <a:fld id="{CCE8F049-6656-46D9-A73B-52F16A3771F6}" type="datetimeFigureOut">
               <a:rPr lang="th-TH" smtClean="0"/>
-              <a:t>06/06/65</a:t>
+              <a:t>13/06/65</a:t>
             </a:fld>
             <a:endParaRPr lang="th-TH"/>
           </a:p>
@@ -2398,7 +2398,7 @@
           <a:p>
             <a:fld id="{CCE8F049-6656-46D9-A73B-52F16A3771F6}" type="datetimeFigureOut">
               <a:rPr lang="th-TH" smtClean="0"/>
-              <a:t>06/06/65</a:t>
+              <a:t>13/06/65</a:t>
             </a:fld>
             <a:endParaRPr lang="th-TH"/>
           </a:p>
@@ -2687,7 +2687,7 @@
           <a:p>
             <a:fld id="{CCE8F049-6656-46D9-A73B-52F16A3771F6}" type="datetimeFigureOut">
               <a:rPr lang="th-TH" smtClean="0"/>
-              <a:t>06/06/65</a:t>
+              <a:t>13/06/65</a:t>
             </a:fld>
             <a:endParaRPr lang="th-TH"/>
           </a:p>
@@ -2930,7 +2930,7 @@
           <a:p>
             <a:fld id="{CCE8F049-6656-46D9-A73B-52F16A3771F6}" type="datetimeFigureOut">
               <a:rPr lang="th-TH" smtClean="0"/>
-              <a:t>06/06/65</a:t>
+              <a:t>13/06/65</a:t>
             </a:fld>
             <a:endParaRPr lang="th-TH"/>
           </a:p>
@@ -4571,6 +4571,84 @@
           </a:p>
         </p:txBody>
       </p:sp>
+      <p:pic>
+        <p:nvPicPr>
+          <p:cNvPr id="8" name="Picture 7">
+            <a:extLst>
+              <a:ext uri="{FF2B5EF4-FFF2-40B4-BE49-F238E27FC236}">
+                <a16:creationId xmlns:a16="http://schemas.microsoft.com/office/drawing/2014/main" id="{30B54511-E2A6-16D3-004E-71F7A81C4DEB}"/>
+              </a:ext>
+            </a:extLst>
+          </p:cNvPr>
+          <p:cNvPicPr>
+            <a:picLocks noChangeAspect="1"/>
+          </p:cNvPicPr>
+          <p:nvPr/>
+        </p:nvPicPr>
+        <p:blipFill rotWithShape="1">
+          <a:blip r:embed="rId9"/>
+          <a:srcRect l="38899" t="21485" r="43077" b="60923"/>
+          <a:stretch/>
+        </p:blipFill>
+        <p:spPr>
+          <a:xfrm>
+            <a:off x="3902585" y="-4059526"/>
+            <a:ext cx="5934065" cy="3257974"/>
+          </a:xfrm>
+          <a:prstGeom prst="rect">
+            <a:avLst/>
+          </a:prstGeom>
+        </p:spPr>
+      </p:pic>
+      <p:sp>
+        <p:nvSpPr>
+          <p:cNvPr id="34" name="Rectangle 33">
+            <a:extLst>
+              <a:ext uri="{FF2B5EF4-FFF2-40B4-BE49-F238E27FC236}">
+                <a16:creationId xmlns:a16="http://schemas.microsoft.com/office/drawing/2014/main" id="{457485C2-AC16-9C59-CBA4-5F930E22BE9E}"/>
+              </a:ext>
+            </a:extLst>
+          </p:cNvPr>
+          <p:cNvSpPr/>
+          <p:nvPr/>
+        </p:nvSpPr>
+        <p:spPr>
+          <a:xfrm>
+            <a:off x="3102377" y="40066"/>
+            <a:ext cx="657225" cy="542925"/>
+          </a:xfrm>
+          <a:prstGeom prst="rect">
+            <a:avLst/>
+          </a:prstGeom>
+          <a:solidFill>
+            <a:srgbClr val="8A72ED"/>
+          </a:solidFill>
+        </p:spPr>
+        <p:style>
+          <a:lnRef idx="2">
+            <a:schemeClr val="accent1">
+              <a:shade val="50000"/>
+            </a:schemeClr>
+          </a:lnRef>
+          <a:fillRef idx="1">
+            <a:schemeClr val="accent1"/>
+          </a:fillRef>
+          <a:effectRef idx="0">
+            <a:schemeClr val="accent1"/>
+          </a:effectRef>
+          <a:fontRef idx="minor">
+            <a:schemeClr val="lt1"/>
+          </a:fontRef>
+        </p:style>
+        <p:txBody>
+          <a:bodyPr rtlCol="0" anchor="ctr"/>
+          <a:lstStyle/>
+          <a:p>
+            <a:pPr algn="ctr"/>
+            <a:endParaRPr lang="th-TH"/>
+          </a:p>
+        </p:txBody>
+      </p:sp>
     </p:spTree>
     <p:extLst>
       <p:ext uri="{BB962C8B-B14F-4D97-AF65-F5344CB8AC3E}">

--- a/prepare/Presentation1.pptx
+++ b/prepare/Presentation1.pptx
@@ -6,6 +6,7 @@
   </p:sldMasterIdLst>
   <p:sldIdLst>
     <p:sldId id="256" r:id="rId2"/>
+    <p:sldId id="257" r:id="rId3"/>
   </p:sldIdLst>
   <p:sldSz cx="12192000" cy="6858000"/>
   <p:notesSz cx="6858000" cy="9144000"/>
@@ -261,7 +262,7 @@
           <a:p>
             <a:fld id="{CCE8F049-6656-46D9-A73B-52F16A3771F6}" type="datetimeFigureOut">
               <a:rPr lang="th-TH" smtClean="0"/>
-              <a:t>13/06/65</a:t>
+              <a:t>15/06/65</a:t>
             </a:fld>
             <a:endParaRPr lang="th-TH"/>
           </a:p>
@@ -461,7 +462,7 @@
           <a:p>
             <a:fld id="{CCE8F049-6656-46D9-A73B-52F16A3771F6}" type="datetimeFigureOut">
               <a:rPr lang="th-TH" smtClean="0"/>
-              <a:t>13/06/65</a:t>
+              <a:t>15/06/65</a:t>
             </a:fld>
             <a:endParaRPr lang="th-TH"/>
           </a:p>
@@ -671,7 +672,7 @@
           <a:p>
             <a:fld id="{CCE8F049-6656-46D9-A73B-52F16A3771F6}" type="datetimeFigureOut">
               <a:rPr lang="th-TH" smtClean="0"/>
-              <a:t>13/06/65</a:t>
+              <a:t>15/06/65</a:t>
             </a:fld>
             <a:endParaRPr lang="th-TH"/>
           </a:p>
@@ -871,7 +872,7 @@
           <a:p>
             <a:fld id="{CCE8F049-6656-46D9-A73B-52F16A3771F6}" type="datetimeFigureOut">
               <a:rPr lang="th-TH" smtClean="0"/>
-              <a:t>13/06/65</a:t>
+              <a:t>15/06/65</a:t>
             </a:fld>
             <a:endParaRPr lang="th-TH"/>
           </a:p>
@@ -1147,7 +1148,7 @@
           <a:p>
             <a:fld id="{CCE8F049-6656-46D9-A73B-52F16A3771F6}" type="datetimeFigureOut">
               <a:rPr lang="th-TH" smtClean="0"/>
-              <a:t>13/06/65</a:t>
+              <a:t>15/06/65</a:t>
             </a:fld>
             <a:endParaRPr lang="th-TH"/>
           </a:p>
@@ -1415,7 +1416,7 @@
           <a:p>
             <a:fld id="{CCE8F049-6656-46D9-A73B-52F16A3771F6}" type="datetimeFigureOut">
               <a:rPr lang="th-TH" smtClean="0"/>
-              <a:t>13/06/65</a:t>
+              <a:t>15/06/65</a:t>
             </a:fld>
             <a:endParaRPr lang="th-TH"/>
           </a:p>
@@ -1830,7 +1831,7 @@
           <a:p>
             <a:fld id="{CCE8F049-6656-46D9-A73B-52F16A3771F6}" type="datetimeFigureOut">
               <a:rPr lang="th-TH" smtClean="0"/>
-              <a:t>13/06/65</a:t>
+              <a:t>15/06/65</a:t>
             </a:fld>
             <a:endParaRPr lang="th-TH"/>
           </a:p>
@@ -1972,7 +1973,7 @@
           <a:p>
             <a:fld id="{CCE8F049-6656-46D9-A73B-52F16A3771F6}" type="datetimeFigureOut">
               <a:rPr lang="th-TH" smtClean="0"/>
-              <a:t>13/06/65</a:t>
+              <a:t>15/06/65</a:t>
             </a:fld>
             <a:endParaRPr lang="th-TH"/>
           </a:p>
@@ -2085,7 +2086,7 @@
           <a:p>
             <a:fld id="{CCE8F049-6656-46D9-A73B-52F16A3771F6}" type="datetimeFigureOut">
               <a:rPr lang="th-TH" smtClean="0"/>
-              <a:t>13/06/65</a:t>
+              <a:t>15/06/65</a:t>
             </a:fld>
             <a:endParaRPr lang="th-TH"/>
           </a:p>
@@ -2398,7 +2399,7 @@
           <a:p>
             <a:fld id="{CCE8F049-6656-46D9-A73B-52F16A3771F6}" type="datetimeFigureOut">
               <a:rPr lang="th-TH" smtClean="0"/>
-              <a:t>13/06/65</a:t>
+              <a:t>15/06/65</a:t>
             </a:fld>
             <a:endParaRPr lang="th-TH"/>
           </a:p>
@@ -2687,7 +2688,7 @@
           <a:p>
             <a:fld id="{CCE8F049-6656-46D9-A73B-52F16A3771F6}" type="datetimeFigureOut">
               <a:rPr lang="th-TH" smtClean="0"/>
-              <a:t>13/06/65</a:t>
+              <a:t>15/06/65</a:t>
             </a:fld>
             <a:endParaRPr lang="th-TH"/>
           </a:p>
@@ -2930,7 +2931,7 @@
           <a:p>
             <a:fld id="{CCE8F049-6656-46D9-A73B-52F16A3771F6}" type="datetimeFigureOut">
               <a:rPr lang="th-TH" smtClean="0"/>
-              <a:t>13/06/65</a:t>
+              <a:t>15/06/65</a:t>
             </a:fld>
             <a:endParaRPr lang="th-TH"/>
           </a:p>
@@ -4662,6 +4663,1388 @@
 </p:sld>
 </file>
 
+<file path=ppt/slides/slide2.xml><?xml version="1.0" encoding="utf-8"?>
+<p:sld xmlns:a="http://schemas.openxmlformats.org/drawingml/2006/main" xmlns:r="http://schemas.openxmlformats.org/officeDocument/2006/relationships" xmlns:p="http://schemas.openxmlformats.org/presentationml/2006/main">
+  <p:cSld>
+    <p:spTree>
+      <p:nvGrpSpPr>
+        <p:cNvPr id="1" name=""/>
+        <p:cNvGrpSpPr/>
+        <p:nvPr/>
+      </p:nvGrpSpPr>
+      <p:grpSpPr>
+        <a:xfrm>
+          <a:off x="0" y="0"/>
+          <a:ext cx="0" cy="0"/>
+          <a:chOff x="0" y="0"/>
+          <a:chExt cx="0" cy="0"/>
+        </a:xfrm>
+      </p:grpSpPr>
+      <p:pic>
+        <p:nvPicPr>
+          <p:cNvPr id="1026" name="Picture 2" descr="Timely">
+            <a:extLst>
+              <a:ext uri="{FF2B5EF4-FFF2-40B4-BE49-F238E27FC236}">
+                <a16:creationId xmlns:a16="http://schemas.microsoft.com/office/drawing/2014/main" id="{43982A8C-6EB5-06F3-5EE2-7C224DEA5179}"/>
+              </a:ext>
+            </a:extLst>
+          </p:cNvPr>
+          <p:cNvPicPr>
+            <a:picLocks noChangeAspect="1" noChangeArrowheads="1"/>
+          </p:cNvPicPr>
+          <p:nvPr/>
+        </p:nvPicPr>
+        <p:blipFill>
+          <a:blip r:embed="rId2">
+            <a:extLst>
+              <a:ext uri="{28A0092B-C50C-407E-A947-70E740481C1C}">
+                <a14:useLocalDpi xmlns:a14="http://schemas.microsoft.com/office/drawing/2010/main" val="0"/>
+              </a:ext>
+            </a:extLst>
+          </a:blip>
+          <a:srcRect/>
+          <a:stretch>
+            <a:fillRect/>
+          </a:stretch>
+        </p:blipFill>
+        <p:spPr bwMode="auto">
+          <a:xfrm>
+            <a:off x="7261411" y="174252"/>
+            <a:ext cx="4831977" cy="2717987"/>
+          </a:xfrm>
+          <a:prstGeom prst="rect">
+            <a:avLst/>
+          </a:prstGeom>
+          <a:noFill/>
+          <a:extLst>
+            <a:ext uri="{909E8E84-426E-40DD-AFC4-6F175D3DCCD1}">
+              <a14:hiddenFill xmlns:a14="http://schemas.microsoft.com/office/drawing/2010/main">
+                <a:solidFill>
+                  <a:srgbClr val="FFFFFF"/>
+                </a:solidFill>
+              </a14:hiddenFill>
+            </a:ext>
+          </a:extLst>
+        </p:spPr>
+      </p:pic>
+      <p:pic>
+        <p:nvPicPr>
+          <p:cNvPr id="1028" name="Picture 4" descr="Digimurai">
+            <a:extLst>
+              <a:ext uri="{FF2B5EF4-FFF2-40B4-BE49-F238E27FC236}">
+                <a16:creationId xmlns:a16="http://schemas.microsoft.com/office/drawing/2014/main" id="{5270B484-F77E-C9DD-3193-E01A9015B928}"/>
+              </a:ext>
+            </a:extLst>
+          </p:cNvPr>
+          <p:cNvPicPr>
+            <a:picLocks noChangeAspect="1" noChangeArrowheads="1"/>
+          </p:cNvPicPr>
+          <p:nvPr/>
+        </p:nvPicPr>
+        <p:blipFill>
+          <a:blip r:embed="rId3">
+            <a:extLst>
+              <a:ext uri="{28A0092B-C50C-407E-A947-70E740481C1C}">
+                <a14:useLocalDpi xmlns:a14="http://schemas.microsoft.com/office/drawing/2010/main" val="0"/>
+              </a:ext>
+            </a:extLst>
+          </a:blip>
+          <a:srcRect/>
+          <a:stretch>
+            <a:fillRect/>
+          </a:stretch>
+        </p:blipFill>
+        <p:spPr bwMode="auto">
+          <a:xfrm>
+            <a:off x="0" y="1937834"/>
+            <a:ext cx="4280559" cy="2712804"/>
+          </a:xfrm>
+          <a:prstGeom prst="rect">
+            <a:avLst/>
+          </a:prstGeom>
+          <a:noFill/>
+          <a:extLst>
+            <a:ext uri="{909E8E84-426E-40DD-AFC4-6F175D3DCCD1}">
+              <a14:hiddenFill xmlns:a14="http://schemas.microsoft.com/office/drawing/2010/main">
+                <a:solidFill>
+                  <a:srgbClr val="FFFFFF"/>
+                </a:solidFill>
+              </a14:hiddenFill>
+            </a:ext>
+          </a:extLst>
+        </p:spPr>
+      </p:pic>
+      <p:sp>
+        <p:nvSpPr>
+          <p:cNvPr id="6" name="Rectangle 5">
+            <a:extLst>
+              <a:ext uri="{FF2B5EF4-FFF2-40B4-BE49-F238E27FC236}">
+                <a16:creationId xmlns:a16="http://schemas.microsoft.com/office/drawing/2014/main" id="{367F1283-8E00-C1E7-0558-FDB9D0C1A572}"/>
+              </a:ext>
+            </a:extLst>
+          </p:cNvPr>
+          <p:cNvSpPr/>
+          <p:nvPr/>
+        </p:nvSpPr>
+        <p:spPr>
+          <a:xfrm>
+            <a:off x="1336022" y="830076"/>
+            <a:ext cx="657225" cy="542925"/>
+          </a:xfrm>
+          <a:prstGeom prst="rect">
+            <a:avLst/>
+          </a:prstGeom>
+          <a:solidFill>
+            <a:srgbClr val="603FE8"/>
+          </a:solidFill>
+          <a:ln>
+            <a:noFill/>
+          </a:ln>
+        </p:spPr>
+        <p:style>
+          <a:lnRef idx="2">
+            <a:schemeClr val="accent1">
+              <a:shade val="50000"/>
+            </a:schemeClr>
+          </a:lnRef>
+          <a:fillRef idx="1">
+            <a:schemeClr val="accent1"/>
+          </a:fillRef>
+          <a:effectRef idx="0">
+            <a:schemeClr val="accent1"/>
+          </a:effectRef>
+          <a:fontRef idx="minor">
+            <a:schemeClr val="lt1"/>
+          </a:fontRef>
+        </p:style>
+        <p:txBody>
+          <a:bodyPr rtlCol="0" anchor="ctr"/>
+          <a:lstStyle/>
+          <a:p>
+            <a:pPr algn="ctr"/>
+            <a:endParaRPr lang="th-TH"/>
+          </a:p>
+        </p:txBody>
+      </p:sp>
+      <p:pic>
+        <p:nvPicPr>
+          <p:cNvPr id="1030" name="Picture 6">
+            <a:extLst>
+              <a:ext uri="{FF2B5EF4-FFF2-40B4-BE49-F238E27FC236}">
+                <a16:creationId xmlns:a16="http://schemas.microsoft.com/office/drawing/2014/main" id="{9715F523-83FA-98E5-3FB3-014D489B53D0}"/>
+              </a:ext>
+            </a:extLst>
+          </p:cNvPr>
+          <p:cNvPicPr>
+            <a:picLocks noChangeAspect="1" noChangeArrowheads="1"/>
+          </p:cNvPicPr>
+          <p:nvPr/>
+        </p:nvPicPr>
+        <p:blipFill>
+          <a:blip r:embed="rId4">
+            <a:extLst>
+              <a:ext uri="{28A0092B-C50C-407E-A947-70E740481C1C}">
+                <a14:useLocalDpi xmlns:a14="http://schemas.microsoft.com/office/drawing/2010/main" val="0"/>
+              </a:ext>
+            </a:extLst>
+          </a:blip>
+          <a:srcRect/>
+          <a:stretch>
+            <a:fillRect/>
+          </a:stretch>
+        </p:blipFill>
+        <p:spPr bwMode="auto">
+          <a:xfrm>
+            <a:off x="7068672" y="2962273"/>
+            <a:ext cx="5746376" cy="3232337"/>
+          </a:xfrm>
+          <a:prstGeom prst="rect">
+            <a:avLst/>
+          </a:prstGeom>
+          <a:noFill/>
+          <a:extLst>
+            <a:ext uri="{909E8E84-426E-40DD-AFC4-6F175D3DCCD1}">
+              <a14:hiddenFill xmlns:a14="http://schemas.microsoft.com/office/drawing/2010/main">
+                <a:solidFill>
+                  <a:srgbClr val="FFFFFF"/>
+                </a:solidFill>
+              </a14:hiddenFill>
+            </a:ext>
+          </a:extLst>
+        </p:spPr>
+      </p:pic>
+      <p:sp>
+        <p:nvSpPr>
+          <p:cNvPr id="8" name="Rectangle 7">
+            <a:extLst>
+              <a:ext uri="{FF2B5EF4-FFF2-40B4-BE49-F238E27FC236}">
+                <a16:creationId xmlns:a16="http://schemas.microsoft.com/office/drawing/2014/main" id="{B4611081-C3B1-1DCD-A24A-0A8D7CF98F85}"/>
+              </a:ext>
+            </a:extLst>
+          </p:cNvPr>
+          <p:cNvSpPr/>
+          <p:nvPr/>
+        </p:nvSpPr>
+        <p:spPr>
+          <a:xfrm>
+            <a:off x="2904705" y="1157988"/>
+            <a:ext cx="657225" cy="542925"/>
+          </a:xfrm>
+          <a:prstGeom prst="rect">
+            <a:avLst/>
+          </a:prstGeom>
+          <a:solidFill>
+            <a:srgbClr val="1E1C40"/>
+          </a:solidFill>
+          <a:ln>
+            <a:noFill/>
+          </a:ln>
+        </p:spPr>
+        <p:style>
+          <a:lnRef idx="2">
+            <a:schemeClr val="accent1">
+              <a:shade val="50000"/>
+            </a:schemeClr>
+          </a:lnRef>
+          <a:fillRef idx="1">
+            <a:schemeClr val="accent1"/>
+          </a:fillRef>
+          <a:effectRef idx="0">
+            <a:schemeClr val="accent1"/>
+          </a:effectRef>
+          <a:fontRef idx="minor">
+            <a:schemeClr val="lt1"/>
+          </a:fontRef>
+        </p:style>
+        <p:txBody>
+          <a:bodyPr rtlCol="0" anchor="ctr"/>
+          <a:lstStyle/>
+          <a:p>
+            <a:pPr algn="ctr"/>
+            <a:endParaRPr lang="th-TH"/>
+          </a:p>
+        </p:txBody>
+      </p:sp>
+      <p:pic>
+        <p:nvPicPr>
+          <p:cNvPr id="1032" name="Picture 8" descr="MSI">
+            <a:extLst>
+              <a:ext uri="{FF2B5EF4-FFF2-40B4-BE49-F238E27FC236}">
+                <a16:creationId xmlns:a16="http://schemas.microsoft.com/office/drawing/2014/main" id="{A3992B3C-7DB8-0EA6-A6B9-3FFE5EE570BD}"/>
+              </a:ext>
+            </a:extLst>
+          </p:cNvPr>
+          <p:cNvPicPr>
+            <a:picLocks noChangeAspect="1" noChangeArrowheads="1"/>
+          </p:cNvPicPr>
+          <p:nvPr/>
+        </p:nvPicPr>
+        <p:blipFill>
+          <a:blip r:embed="rId5">
+            <a:extLst>
+              <a:ext uri="{28A0092B-C50C-407E-A947-70E740481C1C}">
+                <a14:useLocalDpi xmlns:a14="http://schemas.microsoft.com/office/drawing/2010/main" val="0"/>
+              </a:ext>
+            </a:extLst>
+          </a:blip>
+          <a:srcRect/>
+          <a:stretch>
+            <a:fillRect/>
+          </a:stretch>
+        </p:blipFill>
+        <p:spPr bwMode="auto">
+          <a:xfrm>
+            <a:off x="-244286" y="4650638"/>
+            <a:ext cx="4224616" cy="2207362"/>
+          </a:xfrm>
+          <a:prstGeom prst="rect">
+            <a:avLst/>
+          </a:prstGeom>
+          <a:noFill/>
+          <a:extLst>
+            <a:ext uri="{909E8E84-426E-40DD-AFC4-6F175D3DCCD1}">
+              <a14:hiddenFill xmlns:a14="http://schemas.microsoft.com/office/drawing/2010/main">
+                <a:solidFill>
+                  <a:srgbClr val="FFFFFF"/>
+                </a:solidFill>
+              </a14:hiddenFill>
+            </a:ext>
+          </a:extLst>
+        </p:spPr>
+      </p:pic>
+      <p:sp>
+        <p:nvSpPr>
+          <p:cNvPr id="10" name="Rectangle 9">
+            <a:extLst>
+              <a:ext uri="{FF2B5EF4-FFF2-40B4-BE49-F238E27FC236}">
+                <a16:creationId xmlns:a16="http://schemas.microsoft.com/office/drawing/2014/main" id="{3E7AABFF-EAEE-0796-CA51-338004549ECE}"/>
+              </a:ext>
+            </a:extLst>
+          </p:cNvPr>
+          <p:cNvSpPr/>
+          <p:nvPr/>
+        </p:nvSpPr>
+        <p:spPr>
+          <a:xfrm>
+            <a:off x="3980330" y="1038925"/>
+            <a:ext cx="657225" cy="542925"/>
+          </a:xfrm>
+          <a:prstGeom prst="rect">
+            <a:avLst/>
+          </a:prstGeom>
+          <a:solidFill>
+            <a:srgbClr val="1F1472"/>
+          </a:solidFill>
+          <a:ln>
+            <a:noFill/>
+          </a:ln>
+        </p:spPr>
+        <p:style>
+          <a:lnRef idx="2">
+            <a:schemeClr val="accent1">
+              <a:shade val="50000"/>
+            </a:schemeClr>
+          </a:lnRef>
+          <a:fillRef idx="1">
+            <a:schemeClr val="accent1"/>
+          </a:fillRef>
+          <a:effectRef idx="0">
+            <a:schemeClr val="accent1"/>
+          </a:effectRef>
+          <a:fontRef idx="minor">
+            <a:schemeClr val="lt1"/>
+          </a:fontRef>
+        </p:style>
+        <p:txBody>
+          <a:bodyPr rtlCol="0" anchor="ctr"/>
+          <a:lstStyle/>
+          <a:p>
+            <a:pPr algn="ctr"/>
+            <a:endParaRPr lang="th-TH"/>
+          </a:p>
+        </p:txBody>
+      </p:sp>
+      <p:sp>
+        <p:nvSpPr>
+          <p:cNvPr id="11" name="Rectangle 10">
+            <a:extLst>
+              <a:ext uri="{FF2B5EF4-FFF2-40B4-BE49-F238E27FC236}">
+                <a16:creationId xmlns:a16="http://schemas.microsoft.com/office/drawing/2014/main" id="{107F86C8-EF91-5148-729E-AB805D78973D}"/>
+              </a:ext>
+            </a:extLst>
+          </p:cNvPr>
+          <p:cNvSpPr/>
+          <p:nvPr/>
+        </p:nvSpPr>
+        <p:spPr>
+          <a:xfrm>
+            <a:off x="5364115" y="913658"/>
+            <a:ext cx="657225" cy="542925"/>
+          </a:xfrm>
+          <a:prstGeom prst="rect">
+            <a:avLst/>
+          </a:prstGeom>
+          <a:solidFill>
+            <a:srgbClr val="916CD6"/>
+          </a:solidFill>
+          <a:ln>
+            <a:noFill/>
+          </a:ln>
+        </p:spPr>
+        <p:style>
+          <a:lnRef idx="2">
+            <a:schemeClr val="accent1">
+              <a:shade val="50000"/>
+            </a:schemeClr>
+          </a:lnRef>
+          <a:fillRef idx="1">
+            <a:schemeClr val="accent1"/>
+          </a:fillRef>
+          <a:effectRef idx="0">
+            <a:schemeClr val="accent1"/>
+          </a:effectRef>
+          <a:fontRef idx="minor">
+            <a:schemeClr val="lt1"/>
+          </a:fontRef>
+        </p:style>
+        <p:txBody>
+          <a:bodyPr rtlCol="0" anchor="ctr"/>
+          <a:lstStyle/>
+          <a:p>
+            <a:pPr algn="ctr"/>
+            <a:endParaRPr lang="th-TH"/>
+          </a:p>
+        </p:txBody>
+      </p:sp>
+      <p:sp>
+        <p:nvSpPr>
+          <p:cNvPr id="12" name="Rectangle 11">
+            <a:extLst>
+              <a:ext uri="{FF2B5EF4-FFF2-40B4-BE49-F238E27FC236}">
+                <a16:creationId xmlns:a16="http://schemas.microsoft.com/office/drawing/2014/main" id="{667F92E0-7A2E-DFF9-EC25-57089CA70260}"/>
+              </a:ext>
+            </a:extLst>
+          </p:cNvPr>
+          <p:cNvSpPr/>
+          <p:nvPr/>
+        </p:nvSpPr>
+        <p:spPr>
+          <a:xfrm>
+            <a:off x="4754445" y="1975233"/>
+            <a:ext cx="657225" cy="542925"/>
+          </a:xfrm>
+          <a:prstGeom prst="rect">
+            <a:avLst/>
+          </a:prstGeom>
+          <a:solidFill>
+            <a:srgbClr val="7D4AAF"/>
+          </a:solidFill>
+          <a:ln>
+            <a:noFill/>
+          </a:ln>
+        </p:spPr>
+        <p:style>
+          <a:lnRef idx="2">
+            <a:schemeClr val="accent1">
+              <a:shade val="50000"/>
+            </a:schemeClr>
+          </a:lnRef>
+          <a:fillRef idx="1">
+            <a:schemeClr val="accent1"/>
+          </a:fillRef>
+          <a:effectRef idx="0">
+            <a:schemeClr val="accent1"/>
+          </a:effectRef>
+          <a:fontRef idx="minor">
+            <a:schemeClr val="lt1"/>
+          </a:fontRef>
+        </p:style>
+        <p:txBody>
+          <a:bodyPr rtlCol="0" anchor="ctr"/>
+          <a:lstStyle/>
+          <a:p>
+            <a:pPr algn="ctr"/>
+            <a:endParaRPr lang="th-TH"/>
+          </a:p>
+        </p:txBody>
+      </p:sp>
+      <p:pic>
+        <p:nvPicPr>
+          <p:cNvPr id="1034" name="Picture 10" descr="Glia">
+            <a:extLst>
+              <a:ext uri="{FF2B5EF4-FFF2-40B4-BE49-F238E27FC236}">
+                <a16:creationId xmlns:a16="http://schemas.microsoft.com/office/drawing/2014/main" id="{5352FCC2-0371-B7AB-5DB6-005A399B77D8}"/>
+              </a:ext>
+            </a:extLst>
+          </p:cNvPr>
+          <p:cNvPicPr>
+            <a:picLocks noChangeAspect="1" noChangeArrowheads="1"/>
+          </p:cNvPicPr>
+          <p:nvPr/>
+        </p:nvPicPr>
+        <p:blipFill>
+          <a:blip r:embed="rId6">
+            <a:extLst>
+              <a:ext uri="{28A0092B-C50C-407E-A947-70E740481C1C}">
+                <a14:useLocalDpi xmlns:a14="http://schemas.microsoft.com/office/drawing/2010/main" val="0"/>
+              </a:ext>
+            </a:extLst>
+          </a:blip>
+          <a:srcRect/>
+          <a:stretch>
+            <a:fillRect/>
+          </a:stretch>
+        </p:blipFill>
+        <p:spPr bwMode="auto">
+          <a:xfrm>
+            <a:off x="2358842" y="2518957"/>
+            <a:ext cx="4353317" cy="2334466"/>
+          </a:xfrm>
+          <a:prstGeom prst="rect">
+            <a:avLst/>
+          </a:prstGeom>
+          <a:noFill/>
+          <a:extLst>
+            <a:ext uri="{909E8E84-426E-40DD-AFC4-6F175D3DCCD1}">
+              <a14:hiddenFill xmlns:a14="http://schemas.microsoft.com/office/drawing/2010/main">
+                <a:solidFill>
+                  <a:srgbClr val="FFFFFF"/>
+                </a:solidFill>
+              </a14:hiddenFill>
+            </a:ext>
+          </a:extLst>
+        </p:spPr>
+      </p:pic>
+      <p:sp>
+        <p:nvSpPr>
+          <p:cNvPr id="14" name="Rectangle 13">
+            <a:extLst>
+              <a:ext uri="{FF2B5EF4-FFF2-40B4-BE49-F238E27FC236}">
+                <a16:creationId xmlns:a16="http://schemas.microsoft.com/office/drawing/2014/main" id="{DC6CDF2E-5FFA-09CD-6D47-B7F00622EC62}"/>
+              </a:ext>
+            </a:extLst>
+          </p:cNvPr>
+          <p:cNvSpPr/>
+          <p:nvPr/>
+        </p:nvSpPr>
+        <p:spPr>
+          <a:xfrm>
+            <a:off x="6247190" y="1937834"/>
+            <a:ext cx="657225" cy="542925"/>
+          </a:xfrm>
+          <a:prstGeom prst="rect">
+            <a:avLst/>
+          </a:prstGeom>
+          <a:solidFill>
+            <a:srgbClr val="7D19DE"/>
+          </a:solidFill>
+          <a:ln>
+            <a:noFill/>
+          </a:ln>
+        </p:spPr>
+        <p:style>
+          <a:lnRef idx="2">
+            <a:schemeClr val="accent1">
+              <a:shade val="50000"/>
+            </a:schemeClr>
+          </a:lnRef>
+          <a:fillRef idx="1">
+            <a:schemeClr val="accent1"/>
+          </a:fillRef>
+          <a:effectRef idx="0">
+            <a:schemeClr val="accent1"/>
+          </a:effectRef>
+          <a:fontRef idx="minor">
+            <a:schemeClr val="lt1"/>
+          </a:fontRef>
+        </p:style>
+        <p:txBody>
+          <a:bodyPr rtlCol="0" anchor="ctr"/>
+          <a:lstStyle/>
+          <a:p>
+            <a:pPr algn="ctr"/>
+            <a:endParaRPr lang="th-TH"/>
+          </a:p>
+        </p:txBody>
+      </p:sp>
+      <p:pic>
+        <p:nvPicPr>
+          <p:cNvPr id="1036" name="Picture 12" descr="Toggl">
+            <a:extLst>
+              <a:ext uri="{FF2B5EF4-FFF2-40B4-BE49-F238E27FC236}">
+                <a16:creationId xmlns:a16="http://schemas.microsoft.com/office/drawing/2014/main" id="{E0CB5025-AF5B-4335-4E88-C02CADC73ACB}"/>
+              </a:ext>
+            </a:extLst>
+          </p:cNvPr>
+          <p:cNvPicPr>
+            <a:picLocks noChangeAspect="1" noChangeArrowheads="1"/>
+          </p:cNvPicPr>
+          <p:nvPr/>
+        </p:nvPicPr>
+        <p:blipFill>
+          <a:blip r:embed="rId7">
+            <a:extLst>
+              <a:ext uri="{28A0092B-C50C-407E-A947-70E740481C1C}">
+                <a14:useLocalDpi xmlns:a14="http://schemas.microsoft.com/office/drawing/2010/main" val="0"/>
+              </a:ext>
+            </a:extLst>
+          </a:blip>
+          <a:srcRect/>
+          <a:stretch>
+            <a:fillRect/>
+          </a:stretch>
+        </p:blipFill>
+        <p:spPr bwMode="auto">
+          <a:xfrm>
+            <a:off x="3351293" y="5006622"/>
+            <a:ext cx="3910118" cy="2052812"/>
+          </a:xfrm>
+          <a:prstGeom prst="rect">
+            <a:avLst/>
+          </a:prstGeom>
+          <a:noFill/>
+          <a:extLst>
+            <a:ext uri="{909E8E84-426E-40DD-AFC4-6F175D3DCCD1}">
+              <a14:hiddenFill xmlns:a14="http://schemas.microsoft.com/office/drawing/2010/main">
+                <a:solidFill>
+                  <a:srgbClr val="FFFFFF"/>
+                </a:solidFill>
+              </a14:hiddenFill>
+            </a:ext>
+          </a:extLst>
+        </p:spPr>
+      </p:pic>
+      <p:sp>
+        <p:nvSpPr>
+          <p:cNvPr id="16" name="Rectangle 15">
+            <a:extLst>
+              <a:ext uri="{FF2B5EF4-FFF2-40B4-BE49-F238E27FC236}">
+                <a16:creationId xmlns:a16="http://schemas.microsoft.com/office/drawing/2014/main" id="{FE70545E-2378-E03E-C2C4-D694592C84DD}"/>
+              </a:ext>
+            </a:extLst>
+          </p:cNvPr>
+          <p:cNvSpPr/>
+          <p:nvPr/>
+        </p:nvSpPr>
+        <p:spPr>
+          <a:xfrm>
+            <a:off x="306726" y="-160067"/>
+            <a:ext cx="657225" cy="542925"/>
+          </a:xfrm>
+          <a:prstGeom prst="rect">
+            <a:avLst/>
+          </a:prstGeom>
+          <a:solidFill>
+            <a:srgbClr val="2D133A"/>
+          </a:solidFill>
+          <a:ln>
+            <a:noFill/>
+          </a:ln>
+        </p:spPr>
+        <p:style>
+          <a:lnRef idx="2">
+            <a:schemeClr val="accent1">
+              <a:shade val="50000"/>
+            </a:schemeClr>
+          </a:lnRef>
+          <a:fillRef idx="1">
+            <a:schemeClr val="accent1"/>
+          </a:fillRef>
+          <a:effectRef idx="0">
+            <a:schemeClr val="accent1"/>
+          </a:effectRef>
+          <a:fontRef idx="minor">
+            <a:schemeClr val="lt1"/>
+          </a:fontRef>
+        </p:style>
+        <p:txBody>
+          <a:bodyPr rtlCol="0" anchor="ctr"/>
+          <a:lstStyle/>
+          <a:p>
+            <a:pPr algn="ctr"/>
+            <a:endParaRPr lang="th-TH"/>
+          </a:p>
+        </p:txBody>
+      </p:sp>
+      <p:sp>
+        <p:nvSpPr>
+          <p:cNvPr id="17" name="Rectangle 16">
+            <a:extLst>
+              <a:ext uri="{FF2B5EF4-FFF2-40B4-BE49-F238E27FC236}">
+                <a16:creationId xmlns:a16="http://schemas.microsoft.com/office/drawing/2014/main" id="{62B24648-26ED-D32F-1235-B00D6538CB3D}"/>
+              </a:ext>
+            </a:extLst>
+          </p:cNvPr>
+          <p:cNvSpPr/>
+          <p:nvPr/>
+        </p:nvSpPr>
+        <p:spPr>
+          <a:xfrm>
+            <a:off x="3986353" y="236172"/>
+            <a:ext cx="657225" cy="542925"/>
+          </a:xfrm>
+          <a:prstGeom prst="rect">
+            <a:avLst/>
+          </a:prstGeom>
+          <a:solidFill>
+            <a:srgbClr val="FCE995"/>
+          </a:solidFill>
+          <a:ln>
+            <a:noFill/>
+          </a:ln>
+        </p:spPr>
+        <p:style>
+          <a:lnRef idx="2">
+            <a:schemeClr val="accent1">
+              <a:shade val="50000"/>
+            </a:schemeClr>
+          </a:lnRef>
+          <a:fillRef idx="1">
+            <a:schemeClr val="accent1"/>
+          </a:fillRef>
+          <a:effectRef idx="0">
+            <a:schemeClr val="accent1"/>
+          </a:effectRef>
+          <a:fontRef idx="minor">
+            <a:schemeClr val="lt1"/>
+          </a:fontRef>
+        </p:style>
+        <p:txBody>
+          <a:bodyPr rtlCol="0" anchor="ctr"/>
+          <a:lstStyle/>
+          <a:p>
+            <a:pPr algn="ctr"/>
+            <a:endParaRPr lang="th-TH"/>
+          </a:p>
+        </p:txBody>
+      </p:sp>
+      <p:sp>
+        <p:nvSpPr>
+          <p:cNvPr id="18" name="Rectangle 17">
+            <a:extLst>
+              <a:ext uri="{FF2B5EF4-FFF2-40B4-BE49-F238E27FC236}">
+                <a16:creationId xmlns:a16="http://schemas.microsoft.com/office/drawing/2014/main" id="{61B9D806-FA20-DBE1-8397-737A682A99A9}"/>
+              </a:ext>
+            </a:extLst>
+          </p:cNvPr>
+          <p:cNvSpPr/>
+          <p:nvPr/>
+        </p:nvSpPr>
+        <p:spPr>
+          <a:xfrm>
+            <a:off x="5083057" y="312771"/>
+            <a:ext cx="657225" cy="542925"/>
+          </a:xfrm>
+          <a:prstGeom prst="rect">
+            <a:avLst/>
+          </a:prstGeom>
+          <a:solidFill>
+            <a:srgbClr val="FBDE61"/>
+          </a:solidFill>
+          <a:ln>
+            <a:noFill/>
+          </a:ln>
+        </p:spPr>
+        <p:style>
+          <a:lnRef idx="2">
+            <a:schemeClr val="accent1">
+              <a:shade val="50000"/>
+            </a:schemeClr>
+          </a:lnRef>
+          <a:fillRef idx="1">
+            <a:schemeClr val="accent1"/>
+          </a:fillRef>
+          <a:effectRef idx="0">
+            <a:schemeClr val="accent1"/>
+          </a:effectRef>
+          <a:fontRef idx="minor">
+            <a:schemeClr val="lt1"/>
+          </a:fontRef>
+        </p:style>
+        <p:txBody>
+          <a:bodyPr rtlCol="0" anchor="ctr"/>
+          <a:lstStyle/>
+          <a:p>
+            <a:pPr algn="ctr"/>
+            <a:endParaRPr lang="th-TH"/>
+          </a:p>
+        </p:txBody>
+      </p:sp>
+      <p:sp>
+        <p:nvSpPr>
+          <p:cNvPr id="19" name="Rectangle 18">
+            <a:extLst>
+              <a:ext uri="{FF2B5EF4-FFF2-40B4-BE49-F238E27FC236}">
+                <a16:creationId xmlns:a16="http://schemas.microsoft.com/office/drawing/2014/main" id="{F44665F5-9DA7-0F05-AD97-F41A1A0612A5}"/>
+              </a:ext>
+            </a:extLst>
+          </p:cNvPr>
+          <p:cNvSpPr/>
+          <p:nvPr/>
+        </p:nvSpPr>
+        <p:spPr>
+          <a:xfrm>
+            <a:off x="306727" y="560850"/>
+            <a:ext cx="657225" cy="542925"/>
+          </a:xfrm>
+          <a:prstGeom prst="rect">
+            <a:avLst/>
+          </a:prstGeom>
+          <a:solidFill>
+            <a:srgbClr val="2D133A"/>
+          </a:solidFill>
+          <a:ln>
+            <a:noFill/>
+          </a:ln>
+        </p:spPr>
+        <p:style>
+          <a:lnRef idx="2">
+            <a:schemeClr val="accent1">
+              <a:shade val="50000"/>
+            </a:schemeClr>
+          </a:lnRef>
+          <a:fillRef idx="1">
+            <a:schemeClr val="accent1"/>
+          </a:fillRef>
+          <a:effectRef idx="0">
+            <a:schemeClr val="accent1"/>
+          </a:effectRef>
+          <a:fontRef idx="minor">
+            <a:schemeClr val="lt1"/>
+          </a:fontRef>
+        </p:style>
+        <p:txBody>
+          <a:bodyPr rtlCol="0" anchor="ctr"/>
+          <a:lstStyle/>
+          <a:p>
+            <a:pPr algn="ctr"/>
+            <a:endParaRPr lang="th-TH"/>
+          </a:p>
+        </p:txBody>
+      </p:sp>
+      <p:sp>
+        <p:nvSpPr>
+          <p:cNvPr id="20" name="Rectangle 19">
+            <a:extLst>
+              <a:ext uri="{FF2B5EF4-FFF2-40B4-BE49-F238E27FC236}">
+                <a16:creationId xmlns:a16="http://schemas.microsoft.com/office/drawing/2014/main" id="{202C5FC8-FBFA-4994-17FD-35EE5269327E}"/>
+              </a:ext>
+            </a:extLst>
+          </p:cNvPr>
+          <p:cNvSpPr/>
+          <p:nvPr/>
+        </p:nvSpPr>
+        <p:spPr>
+          <a:xfrm>
+            <a:off x="263550" y="1281767"/>
+            <a:ext cx="657225" cy="542925"/>
+          </a:xfrm>
+          <a:prstGeom prst="rect">
+            <a:avLst/>
+          </a:prstGeom>
+          <a:solidFill>
+            <a:srgbClr val="422A4C"/>
+          </a:solidFill>
+          <a:ln>
+            <a:noFill/>
+          </a:ln>
+        </p:spPr>
+        <p:style>
+          <a:lnRef idx="2">
+            <a:schemeClr val="accent1">
+              <a:shade val="50000"/>
+            </a:schemeClr>
+          </a:lnRef>
+          <a:fillRef idx="1">
+            <a:schemeClr val="accent1"/>
+          </a:fillRef>
+          <a:effectRef idx="0">
+            <a:schemeClr val="accent1"/>
+          </a:effectRef>
+          <a:fontRef idx="minor">
+            <a:schemeClr val="lt1"/>
+          </a:fontRef>
+        </p:style>
+        <p:txBody>
+          <a:bodyPr rtlCol="0" anchor="ctr"/>
+          <a:lstStyle/>
+          <a:p>
+            <a:pPr algn="ctr"/>
+            <a:endParaRPr lang="th-TH"/>
+          </a:p>
+        </p:txBody>
+      </p:sp>
+      <p:pic>
+        <p:nvPicPr>
+          <p:cNvPr id="1038" name="Picture 14" descr="ไอเดีย Pastel tone 36 รายการ | พาเลทเฉดสี, เฉดสี, ทฤษฎีสี">
+            <a:extLst>
+              <a:ext uri="{FF2B5EF4-FFF2-40B4-BE49-F238E27FC236}">
+                <a16:creationId xmlns:a16="http://schemas.microsoft.com/office/drawing/2014/main" id="{E3AFA4D3-873E-6431-9CFF-6E8E9A4C7F34}"/>
+              </a:ext>
+            </a:extLst>
+          </p:cNvPr>
+          <p:cNvPicPr>
+            <a:picLocks noChangeAspect="1" noChangeArrowheads="1"/>
+          </p:cNvPicPr>
+          <p:nvPr/>
+        </p:nvPicPr>
+        <p:blipFill>
+          <a:blip r:embed="rId8">
+            <a:extLst>
+              <a:ext uri="{28A0092B-C50C-407E-A947-70E740481C1C}">
+                <a14:useLocalDpi xmlns:a14="http://schemas.microsoft.com/office/drawing/2010/main" val="0"/>
+              </a:ext>
+            </a:extLst>
+          </a:blip>
+          <a:srcRect/>
+          <a:stretch>
+            <a:fillRect/>
+          </a:stretch>
+        </p:blipFill>
+        <p:spPr bwMode="auto">
+          <a:xfrm>
+            <a:off x="8981857" y="111395"/>
+            <a:ext cx="2247900" cy="3171825"/>
+          </a:xfrm>
+          <a:prstGeom prst="rect">
+            <a:avLst/>
+          </a:prstGeom>
+          <a:noFill/>
+          <a:extLst>
+            <a:ext uri="{909E8E84-426E-40DD-AFC4-6F175D3DCCD1}">
+              <a14:hiddenFill xmlns:a14="http://schemas.microsoft.com/office/drawing/2010/main">
+                <a:solidFill>
+                  <a:srgbClr val="FFFFFF"/>
+                </a:solidFill>
+              </a14:hiddenFill>
+            </a:ext>
+          </a:extLst>
+        </p:spPr>
+      </p:pic>
+      <p:sp>
+        <p:nvSpPr>
+          <p:cNvPr id="22" name="Rectangle 21">
+            <a:extLst>
+              <a:ext uri="{FF2B5EF4-FFF2-40B4-BE49-F238E27FC236}">
+                <a16:creationId xmlns:a16="http://schemas.microsoft.com/office/drawing/2014/main" id="{EF608CA1-7C61-495F-B12A-A13AD1DC9755}"/>
+              </a:ext>
+            </a:extLst>
+          </p:cNvPr>
+          <p:cNvSpPr/>
+          <p:nvPr/>
+        </p:nvSpPr>
+        <p:spPr>
+          <a:xfrm>
+            <a:off x="1076221" y="2601691"/>
+            <a:ext cx="657225" cy="542925"/>
+          </a:xfrm>
+          <a:prstGeom prst="rect">
+            <a:avLst/>
+          </a:prstGeom>
+          <a:solidFill>
+            <a:srgbClr val="E19B93"/>
+          </a:solidFill>
+          <a:ln>
+            <a:noFill/>
+          </a:ln>
+        </p:spPr>
+        <p:style>
+          <a:lnRef idx="2">
+            <a:schemeClr val="accent1">
+              <a:shade val="50000"/>
+            </a:schemeClr>
+          </a:lnRef>
+          <a:fillRef idx="1">
+            <a:schemeClr val="accent1"/>
+          </a:fillRef>
+          <a:effectRef idx="0">
+            <a:schemeClr val="accent1"/>
+          </a:effectRef>
+          <a:fontRef idx="minor">
+            <a:schemeClr val="lt1"/>
+          </a:fontRef>
+        </p:style>
+        <p:txBody>
+          <a:bodyPr rtlCol="0" anchor="ctr"/>
+          <a:lstStyle/>
+          <a:p>
+            <a:pPr algn="ctr"/>
+            <a:endParaRPr lang="th-TH"/>
+          </a:p>
+        </p:txBody>
+      </p:sp>
+      <p:sp>
+        <p:nvSpPr>
+          <p:cNvPr id="23" name="Rectangle 22">
+            <a:extLst>
+              <a:ext uri="{FF2B5EF4-FFF2-40B4-BE49-F238E27FC236}">
+                <a16:creationId xmlns:a16="http://schemas.microsoft.com/office/drawing/2014/main" id="{5B9F9B52-1DEF-9A8D-96D2-8F4373639B16}"/>
+              </a:ext>
+            </a:extLst>
+          </p:cNvPr>
+          <p:cNvSpPr/>
+          <p:nvPr/>
+        </p:nvSpPr>
+        <p:spPr>
+          <a:xfrm>
+            <a:off x="209498" y="2560265"/>
+            <a:ext cx="657225" cy="542925"/>
+          </a:xfrm>
+          <a:prstGeom prst="rect">
+            <a:avLst/>
+          </a:prstGeom>
+          <a:solidFill>
+            <a:srgbClr val="F7EB89"/>
+          </a:solidFill>
+          <a:ln>
+            <a:noFill/>
+          </a:ln>
+        </p:spPr>
+        <p:style>
+          <a:lnRef idx="2">
+            <a:schemeClr val="accent1">
+              <a:shade val="50000"/>
+            </a:schemeClr>
+          </a:lnRef>
+          <a:fillRef idx="1">
+            <a:schemeClr val="accent1"/>
+          </a:fillRef>
+          <a:effectRef idx="0">
+            <a:schemeClr val="accent1"/>
+          </a:effectRef>
+          <a:fontRef idx="minor">
+            <a:schemeClr val="lt1"/>
+          </a:fontRef>
+        </p:style>
+        <p:txBody>
+          <a:bodyPr rtlCol="0" anchor="ctr"/>
+          <a:lstStyle/>
+          <a:p>
+            <a:pPr algn="ctr"/>
+            <a:endParaRPr lang="th-TH"/>
+          </a:p>
+        </p:txBody>
+      </p:sp>
+      <p:sp>
+        <p:nvSpPr>
+          <p:cNvPr id="25" name="TextBox 24">
+            <a:extLst>
+              <a:ext uri="{FF2B5EF4-FFF2-40B4-BE49-F238E27FC236}">
+                <a16:creationId xmlns:a16="http://schemas.microsoft.com/office/drawing/2014/main" id="{FD5D1408-7386-A9AE-0B8C-82A4B8E5B2BC}"/>
+              </a:ext>
+            </a:extLst>
+          </p:cNvPr>
+          <p:cNvSpPr txBox="1"/>
+          <p:nvPr/>
+        </p:nvSpPr>
+        <p:spPr>
+          <a:xfrm>
+            <a:off x="3390148" y="647401"/>
+            <a:ext cx="6530788" cy="523220"/>
+          </a:xfrm>
+          <a:prstGeom prst="rect">
+            <a:avLst/>
+          </a:prstGeom>
+          <a:noFill/>
+        </p:spPr>
+        <p:txBody>
+          <a:bodyPr wrap="square">
+            <a:spAutoFit/>
+          </a:bodyPr>
+          <a:lstStyle/>
+          <a:p>
+            <a:r>
+              <a:rPr lang="th-TH" dirty="0"/>
+              <a:t>https://htmlcolorcodes.com/</a:t>
+            </a:r>
+          </a:p>
+        </p:txBody>
+      </p:sp>
+      <p:sp>
+        <p:nvSpPr>
+          <p:cNvPr id="26" name="Rectangle 25">
+            <a:extLst>
+              <a:ext uri="{FF2B5EF4-FFF2-40B4-BE49-F238E27FC236}">
+                <a16:creationId xmlns:a16="http://schemas.microsoft.com/office/drawing/2014/main" id="{C2A52DAD-3EC2-821F-BA37-4B027BFF259A}"/>
+              </a:ext>
+            </a:extLst>
+          </p:cNvPr>
+          <p:cNvSpPr/>
+          <p:nvPr/>
+        </p:nvSpPr>
+        <p:spPr>
+          <a:xfrm>
+            <a:off x="644130" y="1244517"/>
+            <a:ext cx="657225" cy="542925"/>
+          </a:xfrm>
+          <a:prstGeom prst="rect">
+            <a:avLst/>
+          </a:prstGeom>
+          <a:solidFill>
+            <a:srgbClr val="FDE5D9"/>
+          </a:solidFill>
+          <a:ln>
+            <a:noFill/>
+          </a:ln>
+        </p:spPr>
+        <p:style>
+          <a:lnRef idx="2">
+            <a:schemeClr val="accent1">
+              <a:shade val="50000"/>
+            </a:schemeClr>
+          </a:lnRef>
+          <a:fillRef idx="1">
+            <a:schemeClr val="accent1"/>
+          </a:fillRef>
+          <a:effectRef idx="0">
+            <a:schemeClr val="accent1"/>
+          </a:effectRef>
+          <a:fontRef idx="minor">
+            <a:schemeClr val="lt1"/>
+          </a:fontRef>
+        </p:style>
+        <p:txBody>
+          <a:bodyPr rtlCol="0" anchor="ctr"/>
+          <a:lstStyle/>
+          <a:p>
+            <a:pPr algn="ctr"/>
+            <a:endParaRPr lang="th-TH"/>
+          </a:p>
+        </p:txBody>
+      </p:sp>
+      <p:sp>
+        <p:nvSpPr>
+          <p:cNvPr id="27" name="Rectangle 26">
+            <a:extLst>
+              <a:ext uri="{FF2B5EF4-FFF2-40B4-BE49-F238E27FC236}">
+                <a16:creationId xmlns:a16="http://schemas.microsoft.com/office/drawing/2014/main" id="{787F9298-9848-AD74-AAB3-2D9D27E4F176}"/>
+              </a:ext>
+            </a:extLst>
+          </p:cNvPr>
+          <p:cNvSpPr/>
+          <p:nvPr/>
+        </p:nvSpPr>
+        <p:spPr>
+          <a:xfrm>
+            <a:off x="899160" y="1117086"/>
+            <a:ext cx="657225" cy="542925"/>
+          </a:xfrm>
+          <a:prstGeom prst="rect">
+            <a:avLst/>
+          </a:prstGeom>
+          <a:solidFill>
+            <a:srgbClr val="F7DAC6"/>
+          </a:solidFill>
+          <a:ln>
+            <a:noFill/>
+          </a:ln>
+        </p:spPr>
+        <p:style>
+          <a:lnRef idx="2">
+            <a:schemeClr val="accent1">
+              <a:shade val="50000"/>
+            </a:schemeClr>
+          </a:lnRef>
+          <a:fillRef idx="1">
+            <a:schemeClr val="accent1"/>
+          </a:fillRef>
+          <a:effectRef idx="0">
+            <a:schemeClr val="accent1"/>
+          </a:effectRef>
+          <a:fontRef idx="minor">
+            <a:schemeClr val="lt1"/>
+          </a:fontRef>
+        </p:style>
+        <p:txBody>
+          <a:bodyPr rtlCol="0" anchor="ctr"/>
+          <a:lstStyle/>
+          <a:p>
+            <a:pPr algn="ctr"/>
+            <a:endParaRPr lang="th-TH"/>
+          </a:p>
+        </p:txBody>
+      </p:sp>
+      <p:sp>
+        <p:nvSpPr>
+          <p:cNvPr id="29" name="Rectangle 28">
+            <a:extLst>
+              <a:ext uri="{FF2B5EF4-FFF2-40B4-BE49-F238E27FC236}">
+                <a16:creationId xmlns:a16="http://schemas.microsoft.com/office/drawing/2014/main" id="{955085F6-8E12-2F7B-A6A1-5C598B0CC711}"/>
+              </a:ext>
+            </a:extLst>
+          </p:cNvPr>
+          <p:cNvSpPr/>
+          <p:nvPr/>
+        </p:nvSpPr>
+        <p:spPr>
+          <a:xfrm>
+            <a:off x="225038" y="1871940"/>
+            <a:ext cx="657225" cy="542925"/>
+          </a:xfrm>
+          <a:prstGeom prst="rect">
+            <a:avLst/>
+          </a:prstGeom>
+          <a:solidFill>
+            <a:srgbClr val="F8C8DC"/>
+          </a:solidFill>
+          <a:ln>
+            <a:noFill/>
+          </a:ln>
+        </p:spPr>
+        <p:style>
+          <a:lnRef idx="2">
+            <a:schemeClr val="accent1">
+              <a:shade val="50000"/>
+            </a:schemeClr>
+          </a:lnRef>
+          <a:fillRef idx="1">
+            <a:schemeClr val="accent1"/>
+          </a:fillRef>
+          <a:effectRef idx="0">
+            <a:schemeClr val="accent1"/>
+          </a:effectRef>
+          <a:fontRef idx="minor">
+            <a:schemeClr val="lt1"/>
+          </a:fontRef>
+        </p:style>
+        <p:txBody>
+          <a:bodyPr rtlCol="0" anchor="ctr"/>
+          <a:lstStyle/>
+          <a:p>
+            <a:pPr algn="ctr"/>
+            <a:endParaRPr lang="th-TH"/>
+          </a:p>
+        </p:txBody>
+      </p:sp>
+      <p:sp>
+        <p:nvSpPr>
+          <p:cNvPr id="30" name="Rectangle 29">
+            <a:extLst>
+              <a:ext uri="{FF2B5EF4-FFF2-40B4-BE49-F238E27FC236}">
+                <a16:creationId xmlns:a16="http://schemas.microsoft.com/office/drawing/2014/main" id="{A6A4CE17-8949-6304-C08B-F62B1CB93AA9}"/>
+              </a:ext>
+            </a:extLst>
+          </p:cNvPr>
+          <p:cNvSpPr/>
+          <p:nvPr/>
+        </p:nvSpPr>
+        <p:spPr>
+          <a:xfrm>
+            <a:off x="1102902" y="1951893"/>
+            <a:ext cx="657225" cy="542925"/>
+          </a:xfrm>
+          <a:prstGeom prst="rect">
+            <a:avLst/>
+          </a:prstGeom>
+          <a:solidFill>
+            <a:srgbClr val="F8B8C6"/>
+          </a:solidFill>
+          <a:ln>
+            <a:noFill/>
+          </a:ln>
+        </p:spPr>
+        <p:style>
+          <a:lnRef idx="2">
+            <a:schemeClr val="accent1">
+              <a:shade val="50000"/>
+            </a:schemeClr>
+          </a:lnRef>
+          <a:fillRef idx="1">
+            <a:schemeClr val="accent1"/>
+          </a:fillRef>
+          <a:effectRef idx="0">
+            <a:schemeClr val="accent1"/>
+          </a:effectRef>
+          <a:fontRef idx="minor">
+            <a:schemeClr val="lt1"/>
+          </a:fontRef>
+        </p:style>
+        <p:txBody>
+          <a:bodyPr rtlCol="0" anchor="ctr"/>
+          <a:lstStyle/>
+          <a:p>
+            <a:pPr algn="ctr"/>
+            <a:endParaRPr lang="th-TH"/>
+          </a:p>
+        </p:txBody>
+      </p:sp>
+      <p:sp>
+        <p:nvSpPr>
+          <p:cNvPr id="31" name="Rectangle 30">
+            <a:extLst>
+              <a:ext uri="{FF2B5EF4-FFF2-40B4-BE49-F238E27FC236}">
+                <a16:creationId xmlns:a16="http://schemas.microsoft.com/office/drawing/2014/main" id="{156C8246-298E-3BAB-C573-63A2B6F412DF}"/>
+              </a:ext>
+            </a:extLst>
+          </p:cNvPr>
+          <p:cNvSpPr/>
+          <p:nvPr/>
+        </p:nvSpPr>
+        <p:spPr>
+          <a:xfrm>
+            <a:off x="1990432" y="354150"/>
+            <a:ext cx="657225" cy="542925"/>
+          </a:xfrm>
+          <a:prstGeom prst="rect">
+            <a:avLst/>
+          </a:prstGeom>
+          <a:solidFill>
+            <a:srgbClr val="414141"/>
+          </a:solidFill>
+          <a:ln>
+            <a:noFill/>
+          </a:ln>
+        </p:spPr>
+        <p:style>
+          <a:lnRef idx="2">
+            <a:schemeClr val="accent1">
+              <a:shade val="50000"/>
+            </a:schemeClr>
+          </a:lnRef>
+          <a:fillRef idx="1">
+            <a:schemeClr val="accent1"/>
+          </a:fillRef>
+          <a:effectRef idx="0">
+            <a:schemeClr val="accent1"/>
+          </a:effectRef>
+          <a:fontRef idx="minor">
+            <a:schemeClr val="lt1"/>
+          </a:fontRef>
+        </p:style>
+        <p:txBody>
+          <a:bodyPr rtlCol="0" anchor="ctr"/>
+          <a:lstStyle/>
+          <a:p>
+            <a:pPr algn="ctr"/>
+            <a:endParaRPr lang="th-TH"/>
+          </a:p>
+        </p:txBody>
+      </p:sp>
+      <p:sp>
+        <p:nvSpPr>
+          <p:cNvPr id="32" name="Rectangle 31">
+            <a:extLst>
+              <a:ext uri="{FF2B5EF4-FFF2-40B4-BE49-F238E27FC236}">
+                <a16:creationId xmlns:a16="http://schemas.microsoft.com/office/drawing/2014/main" id="{816015D9-7756-ADE8-47BE-7B63DD4F49D7}"/>
+              </a:ext>
+            </a:extLst>
+          </p:cNvPr>
+          <p:cNvSpPr/>
+          <p:nvPr/>
+        </p:nvSpPr>
+        <p:spPr>
+          <a:xfrm>
+            <a:off x="209498" y="3265209"/>
+            <a:ext cx="657225" cy="542925"/>
+          </a:xfrm>
+          <a:prstGeom prst="rect">
+            <a:avLst/>
+          </a:prstGeom>
+          <a:solidFill>
+            <a:srgbClr val="F7EB89"/>
+          </a:solidFill>
+          <a:ln>
+            <a:noFill/>
+          </a:ln>
+        </p:spPr>
+        <p:style>
+          <a:lnRef idx="2">
+            <a:schemeClr val="accent1">
+              <a:shade val="50000"/>
+            </a:schemeClr>
+          </a:lnRef>
+          <a:fillRef idx="1">
+            <a:schemeClr val="accent1"/>
+          </a:fillRef>
+          <a:effectRef idx="0">
+            <a:schemeClr val="accent1"/>
+          </a:effectRef>
+          <a:fontRef idx="minor">
+            <a:schemeClr val="lt1"/>
+          </a:fontRef>
+        </p:style>
+        <p:txBody>
+          <a:bodyPr rtlCol="0" anchor="ctr"/>
+          <a:lstStyle/>
+          <a:p>
+            <a:pPr algn="ctr"/>
+            <a:endParaRPr lang="th-TH"/>
+          </a:p>
+        </p:txBody>
+      </p:sp>
+    </p:spTree>
+    <p:extLst>
+      <p:ext uri="{BB962C8B-B14F-4D97-AF65-F5344CB8AC3E}">
+        <p14:creationId xmlns:p14="http://schemas.microsoft.com/office/powerpoint/2010/main" val="2705545971"/>
+      </p:ext>
+    </p:extLst>
+  </p:cSld>
+  <p:clrMapOvr>
+    <a:masterClrMapping/>
+  </p:clrMapOvr>
+</p:sld>
+</file>
+
 <file path=ppt/theme/theme1.xml><?xml version="1.0" encoding="utf-8"?>
 <a:theme xmlns:a="http://schemas.openxmlformats.org/drawingml/2006/main" name="Office Theme">
   <a:themeElements>
